--- a/1조.pptx
+++ b/1조.pptx
@@ -9,6 +9,8 @@
     <p:sldId id="280" r:id="rId3"/>
     <p:sldId id="281" r:id="rId4"/>
     <p:sldId id="267" r:id="rId5"/>
+    <p:sldId id="285" r:id="rId6"/>
+    <p:sldId id="284" r:id="rId7"/>
   </p:sldIdLst>
   <p:sldSz cx="12192000" cy="6858000"/>
   <p:notesSz cx="6858000" cy="9144000"/>
@@ -5790,7 +5792,7 @@
           <p:nvPr>
             <p:extLst>
               <p:ext uri="{D42A27DB-BD31-4B8C-83A1-F6EECF244321}">
-                <p14:modId xmlns:p14="http://schemas.microsoft.com/office/powerpoint/2010/main" val="2965643818"/>
+                <p14:modId xmlns:p14="http://schemas.microsoft.com/office/powerpoint/2010/main" val="2761610628"/>
               </p:ext>
             </p:extLst>
           </p:nvPr>
@@ -6781,7 +6783,7 @@
                           <a:ea typeface="나눔스퀘어 Bold" panose="020B0600000101010101" pitchFamily="50" charset="-127"/>
                           <a:cs typeface="+mn-cs"/>
                         </a:rPr>
-                        <a:t>메시지를 회원에게 전달 후 상품조회 화면으로 이동</a:t>
+                        <a:t>메시지를 회원에게 전달 후 로그인 화면으로 이동</a:t>
                       </a:r>
                       <a:endParaRPr lang="en-US" altLang="ko-KR" sz="1400" b="0" kern="1200" noProof="0" dirty="0">
                         <a:solidFill>
@@ -13188,6 +13190,452 @@
 </p:sld>
 </file>
 
+<file path=ppt/slides/slide5.xml><?xml version="1.0" encoding="utf-8"?>
+<p:sld xmlns:a="http://schemas.openxmlformats.org/drawingml/2006/main" xmlns:r="http://schemas.openxmlformats.org/officeDocument/2006/relationships" xmlns:p="http://schemas.openxmlformats.org/presentationml/2006/main">
+  <p:cSld>
+    <p:spTree>
+      <p:nvGrpSpPr>
+        <p:cNvPr id="1" name=""/>
+        <p:cNvGrpSpPr/>
+        <p:nvPr/>
+      </p:nvGrpSpPr>
+      <p:grpSpPr>
+        <a:xfrm>
+          <a:off x="0" y="0"/>
+          <a:ext cx="0" cy="0"/>
+          <a:chOff x="0" y="0"/>
+          <a:chExt cx="0" cy="0"/>
+        </a:xfrm>
+      </p:grpSpPr>
+      <p:sp>
+        <p:nvSpPr>
+          <p:cNvPr id="5" name="TextBox 4">
+            <a:extLst>
+              <a:ext uri="{FF2B5EF4-FFF2-40B4-BE49-F238E27FC236}">
+                <a16:creationId xmlns:a16="http://schemas.microsoft.com/office/drawing/2014/main" id="{2D7F0E0E-D950-486A-8185-861386C40EA6}"/>
+              </a:ext>
+            </a:extLst>
+          </p:cNvPr>
+          <p:cNvSpPr txBox="1"/>
+          <p:nvPr/>
+        </p:nvSpPr>
+        <p:spPr>
+          <a:xfrm>
+            <a:off x="1174750" y="822223"/>
+            <a:ext cx="2603918" cy="369332"/>
+          </a:xfrm>
+          <a:prstGeom prst="rect">
+            <a:avLst/>
+          </a:prstGeom>
+          <a:noFill/>
+        </p:spPr>
+        <p:txBody>
+          <a:bodyPr wrap="none" lIns="0" tIns="0" rIns="0" bIns="0" rtlCol="0">
+            <a:spAutoFit/>
+          </a:bodyPr>
+          <a:lstStyle/>
+          <a:p>
+            <a:pPr marL="0" marR="0" lvl="0" indent="0" algn="l" defTabSz="914400" rtl="0" eaLnBrk="1" fontAlgn="auto" latinLnBrk="1" hangingPunct="1">
+              <a:lnSpc>
+                <a:spcPct val="100000"/>
+              </a:lnSpc>
+              <a:spcBef>
+                <a:spcPts val="0"/>
+              </a:spcBef>
+              <a:spcAft>
+                <a:spcPts val="0"/>
+              </a:spcAft>
+              <a:buClrTx/>
+              <a:buSzTx/>
+              <a:buFontTx/>
+              <a:buNone/>
+              <a:tabLst/>
+              <a:defRPr/>
+            </a:pPr>
+            <a:r>
+              <a:rPr kumimoji="0" lang="en-US" altLang="ko-KR" sz="2400" b="0" i="0" u="none" strike="noStrike" kern="1200" cap="none" spc="-30" normalizeH="0" baseline="0" dirty="0">
+                <a:ln>
+                  <a:solidFill>
+                    <a:srgbClr val="000000">
+                      <a:alpha val="0"/>
+                    </a:srgbClr>
+                  </a:solidFill>
+                </a:ln>
+                <a:solidFill>
+                  <a:srgbClr val="000000">
+                    <a:lumMod val="95000"/>
+                    <a:lumOff val="5000"/>
+                  </a:srgbClr>
+                </a:solidFill>
+                <a:effectLst/>
+                <a:uLnTx/>
+                <a:uFillTx/>
+                <a:latin typeface="나눔스퀘어 Bold" panose="020B0600000101010101" pitchFamily="50" charset="-127"/>
+                <a:ea typeface="나눔스퀘어 Bold" panose="020B0600000101010101" pitchFamily="50" charset="-127"/>
+                <a:cs typeface="Pretendard Black" panose="02000A03000000020004" pitchFamily="50" charset="-127"/>
+              </a:rPr>
+              <a:t>MENU STRUCTURE</a:t>
+            </a:r>
+            <a:endParaRPr kumimoji="0" lang="en-US" altLang="ko-KR" sz="2400" b="0" i="0" u="none" strike="noStrike" kern="1200" cap="none" spc="-30" normalizeH="0" baseline="0" noProof="0" dirty="0">
+              <a:ln>
+                <a:solidFill>
+                  <a:srgbClr val="000000">
+                    <a:alpha val="0"/>
+                  </a:srgbClr>
+                </a:solidFill>
+              </a:ln>
+              <a:solidFill>
+                <a:srgbClr val="000000">
+                  <a:lumMod val="95000"/>
+                  <a:lumOff val="5000"/>
+                </a:srgbClr>
+              </a:solidFill>
+              <a:effectLst/>
+              <a:uLnTx/>
+              <a:uFillTx/>
+              <a:latin typeface="나눔스퀘어 Bold" panose="020B0600000101010101" pitchFamily="50" charset="-127"/>
+              <a:ea typeface="나눔스퀘어 Bold" panose="020B0600000101010101" pitchFamily="50" charset="-127"/>
+              <a:cs typeface="Pretendard Black" panose="02000A03000000020004" pitchFamily="50" charset="-127"/>
+            </a:endParaRPr>
+          </a:p>
+        </p:txBody>
+      </p:sp>
+      <p:cxnSp>
+        <p:nvCxnSpPr>
+          <p:cNvPr id="45" name="직선 연결선 9">
+            <a:extLst>
+              <a:ext uri="{FF2B5EF4-FFF2-40B4-BE49-F238E27FC236}">
+                <a16:creationId xmlns:a16="http://schemas.microsoft.com/office/drawing/2014/main" id="{160CDB16-B2C7-4F5E-AE64-7FA6FFA368A6}"/>
+              </a:ext>
+            </a:extLst>
+          </p:cNvPr>
+          <p:cNvCxnSpPr>
+            <a:cxnSpLocks/>
+          </p:cNvCxnSpPr>
+          <p:nvPr/>
+        </p:nvCxnSpPr>
+        <p:spPr>
+          <a:xfrm>
+            <a:off x="976148" y="1254620"/>
+            <a:ext cx="10664990" cy="0"/>
+          </a:xfrm>
+          <a:prstGeom prst="line">
+            <a:avLst/>
+          </a:prstGeom>
+          <a:ln w="6350">
+            <a:solidFill>
+              <a:schemeClr val="bg1">
+                <a:lumMod val="75000"/>
+              </a:schemeClr>
+            </a:solidFill>
+          </a:ln>
+        </p:spPr>
+        <p:style>
+          <a:lnRef idx="1">
+            <a:schemeClr val="accent1"/>
+          </a:lnRef>
+          <a:fillRef idx="0">
+            <a:schemeClr val="accent1"/>
+          </a:fillRef>
+          <a:effectRef idx="0">
+            <a:schemeClr val="accent1"/>
+          </a:effectRef>
+          <a:fontRef idx="minor">
+            <a:schemeClr val="tx1"/>
+          </a:fontRef>
+        </p:style>
+      </p:cxnSp>
+      <p:cxnSp>
+        <p:nvCxnSpPr>
+          <p:cNvPr id="46" name="직선 연결선 10">
+            <a:extLst>
+              <a:ext uri="{FF2B5EF4-FFF2-40B4-BE49-F238E27FC236}">
+                <a16:creationId xmlns:a16="http://schemas.microsoft.com/office/drawing/2014/main" id="{F8F0652E-9028-42AD-8410-F27B0FDE9042}"/>
+              </a:ext>
+            </a:extLst>
+          </p:cNvPr>
+          <p:cNvCxnSpPr>
+            <a:cxnSpLocks/>
+          </p:cNvCxnSpPr>
+          <p:nvPr/>
+        </p:nvCxnSpPr>
+        <p:spPr>
+          <a:xfrm>
+            <a:off x="570850" y="1254620"/>
+            <a:ext cx="403037" cy="0"/>
+          </a:xfrm>
+          <a:prstGeom prst="line">
+            <a:avLst/>
+          </a:prstGeom>
+          <a:ln w="38100" cap="rnd">
+            <a:solidFill>
+              <a:schemeClr val="accent1"/>
+            </a:solidFill>
+          </a:ln>
+        </p:spPr>
+        <p:style>
+          <a:lnRef idx="1">
+            <a:schemeClr val="accent1"/>
+          </a:lnRef>
+          <a:fillRef idx="0">
+            <a:schemeClr val="accent1"/>
+          </a:fillRef>
+          <a:effectRef idx="0">
+            <a:schemeClr val="accent1"/>
+          </a:effectRef>
+          <a:fontRef idx="minor">
+            <a:schemeClr val="tx1"/>
+          </a:fontRef>
+        </p:style>
+      </p:cxnSp>
+      <p:sp>
+        <p:nvSpPr>
+          <p:cNvPr id="50" name="TextBox 49">
+            <a:extLst>
+              <a:ext uri="{FF2B5EF4-FFF2-40B4-BE49-F238E27FC236}">
+                <a16:creationId xmlns:a16="http://schemas.microsoft.com/office/drawing/2014/main" id="{23F2EB79-8B2F-4701-AE55-48AEBBA44014}"/>
+              </a:ext>
+            </a:extLst>
+          </p:cNvPr>
+          <p:cNvSpPr txBox="1"/>
+          <p:nvPr/>
+        </p:nvSpPr>
+        <p:spPr>
+          <a:xfrm>
+            <a:off x="570850" y="822223"/>
+            <a:ext cx="367408" cy="369332"/>
+          </a:xfrm>
+          <a:prstGeom prst="rect">
+            <a:avLst/>
+          </a:prstGeom>
+          <a:noFill/>
+        </p:spPr>
+        <p:txBody>
+          <a:bodyPr wrap="none" lIns="0" tIns="0" rIns="0" bIns="0" rtlCol="0">
+            <a:spAutoFit/>
+          </a:bodyPr>
+          <a:lstStyle/>
+          <a:p>
+            <a:pPr marL="0" marR="0" lvl="0" indent="0" algn="l" defTabSz="914400" rtl="0" eaLnBrk="1" fontAlgn="auto" latinLnBrk="1" hangingPunct="1">
+              <a:lnSpc>
+                <a:spcPct val="100000"/>
+              </a:lnSpc>
+              <a:spcBef>
+                <a:spcPts val="0"/>
+              </a:spcBef>
+              <a:spcAft>
+                <a:spcPts val="0"/>
+              </a:spcAft>
+              <a:buClrTx/>
+              <a:buSzTx/>
+              <a:buFontTx/>
+              <a:buNone/>
+              <a:tabLst/>
+              <a:defRPr/>
+            </a:pPr>
+            <a:r>
+              <a:rPr kumimoji="0" lang="en-US" altLang="ko-KR" sz="2400" b="0" i="0" u="none" strike="noStrike" kern="1200" cap="none" spc="-30" normalizeH="0" baseline="0" noProof="0" dirty="0">
+                <a:ln>
+                  <a:solidFill>
+                    <a:srgbClr val="000000">
+                      <a:alpha val="0"/>
+                    </a:srgbClr>
+                  </a:solidFill>
+                </a:ln>
+                <a:solidFill>
+                  <a:srgbClr val="069A3A"/>
+                </a:solidFill>
+                <a:effectLst/>
+                <a:uLnTx/>
+                <a:uFillTx/>
+                <a:latin typeface="나눔스퀘어 Bold" panose="020B0600000101010101" pitchFamily="50" charset="-127"/>
+                <a:ea typeface="나눔스퀘어 Bold" panose="020B0600000101010101" pitchFamily="50" charset="-127"/>
+                <a:cs typeface="Pretendard Black" panose="02000A03000000020004" pitchFamily="50" charset="-127"/>
+              </a:rPr>
+              <a:t>02</a:t>
+            </a:r>
+          </a:p>
+        </p:txBody>
+      </p:sp>
+      <p:sp>
+        <p:nvSpPr>
+          <p:cNvPr id="57" name="TextBox 56">
+            <a:extLst>
+              <a:ext uri="{FF2B5EF4-FFF2-40B4-BE49-F238E27FC236}">
+                <a16:creationId xmlns:a16="http://schemas.microsoft.com/office/drawing/2014/main" id="{0173F0E6-E43C-473A-8106-9B7DB016869E}"/>
+              </a:ext>
+            </a:extLst>
+          </p:cNvPr>
+          <p:cNvSpPr txBox="1"/>
+          <p:nvPr/>
+        </p:nvSpPr>
+        <p:spPr>
+          <a:xfrm>
+            <a:off x="570850" y="532938"/>
+            <a:ext cx="1250983" cy="215444"/>
+          </a:xfrm>
+          <a:prstGeom prst="rect">
+            <a:avLst/>
+          </a:prstGeom>
+          <a:noFill/>
+        </p:spPr>
+        <p:txBody>
+          <a:bodyPr wrap="none" lIns="0" tIns="0" rIns="0" bIns="0" rtlCol="0" anchor="b">
+            <a:spAutoFit/>
+          </a:bodyPr>
+          <a:lstStyle/>
+          <a:p>
+            <a:pPr marL="0" marR="0" lvl="0" indent="0" algn="l" defTabSz="914400" rtl="0" eaLnBrk="1" fontAlgn="auto" latinLnBrk="1" hangingPunct="1">
+              <a:lnSpc>
+                <a:spcPct val="100000"/>
+              </a:lnSpc>
+              <a:spcBef>
+                <a:spcPts val="0"/>
+              </a:spcBef>
+              <a:spcAft>
+                <a:spcPts val="0"/>
+              </a:spcAft>
+              <a:buClrTx/>
+              <a:buSzTx/>
+              <a:buFontTx/>
+              <a:buNone/>
+              <a:tabLst/>
+              <a:defRPr/>
+            </a:pPr>
+            <a:r>
+              <a:rPr kumimoji="0" lang="en-US" altLang="ko-KR" sz="1400" b="0" i="0" u="none" strike="noStrike" kern="1200" cap="none" spc="-30" normalizeH="0" baseline="0" noProof="0" dirty="0">
+                <a:ln>
+                  <a:solidFill>
+                    <a:srgbClr val="000000">
+                      <a:alpha val="0"/>
+                    </a:srgbClr>
+                  </a:solidFill>
+                </a:ln>
+                <a:solidFill>
+                  <a:srgbClr val="FFFFFF">
+                    <a:lumMod val="75000"/>
+                  </a:srgbClr>
+                </a:solidFill>
+                <a:effectLst/>
+                <a:uLnTx/>
+                <a:uFillTx/>
+                <a:latin typeface="나눔스퀘어 Bold" panose="020B0600000101010101" pitchFamily="50" charset="-127"/>
+                <a:ea typeface="나눔스퀘어 Bold" panose="020B0600000101010101" pitchFamily="50" charset="-127"/>
+                <a:cs typeface="Pretendard Medium" panose="02000603000000020004" pitchFamily="50" charset="-127"/>
+              </a:rPr>
+              <a:t>FESTIVAL IN US</a:t>
+            </a:r>
+          </a:p>
+        </p:txBody>
+      </p:sp>
+      <p:pic>
+        <p:nvPicPr>
+          <p:cNvPr id="58" name="그림 57"/>
+          <p:cNvPicPr>
+            <a:picLocks noChangeAspect="1"/>
+          </p:cNvPicPr>
+          <p:nvPr/>
+        </p:nvPicPr>
+        <p:blipFill rotWithShape="1">
+          <a:blip r:embed="rId2">
+            <a:extLst>
+              <a:ext uri="{BEBA8EAE-BF5A-486C-A8C5-ECC9F3942E4B}">
+                <a14:imgProps xmlns:a14="http://schemas.microsoft.com/office/drawing/2010/main">
+                  <a14:imgLayer r:embed="rId3">
+                    <a14:imgEffect>
+                      <a14:backgroundRemoval t="10000" b="90000" l="10000" r="90000"/>
+                    </a14:imgEffect>
+                  </a14:imgLayer>
+                </a14:imgProps>
+              </a:ext>
+            </a:extLst>
+          </a:blip>
+          <a:srcRect l="21702" t="9434" r="25022" b="32301"/>
+          <a:stretch/>
+        </p:blipFill>
+        <p:spPr>
+          <a:xfrm>
+            <a:off x="10905488" y="610985"/>
+            <a:ext cx="735649" cy="643635"/>
+          </a:xfrm>
+          <a:prstGeom prst="rect">
+            <a:avLst/>
+          </a:prstGeom>
+        </p:spPr>
+      </p:pic>
+      <p:pic>
+        <p:nvPicPr>
+          <p:cNvPr id="11" name="그림 10">
+            <a:extLst>
+              <a:ext uri="{FF2B5EF4-FFF2-40B4-BE49-F238E27FC236}">
+                <a16:creationId xmlns:a16="http://schemas.microsoft.com/office/drawing/2014/main" id="{30157DB6-E5BA-403B-BA65-294E1154205C}"/>
+              </a:ext>
+            </a:extLst>
+          </p:cNvPr>
+          <p:cNvPicPr>
+            <a:picLocks noChangeAspect="1"/>
+          </p:cNvPicPr>
+          <p:nvPr/>
+        </p:nvPicPr>
+        <p:blipFill>
+          <a:blip r:embed="rId4"/>
+          <a:stretch>
+            <a:fillRect/>
+          </a:stretch>
+        </p:blipFill>
+        <p:spPr>
+          <a:xfrm>
+            <a:off x="570850" y="1503290"/>
+            <a:ext cx="11172825" cy="6267450"/>
+          </a:xfrm>
+          <a:prstGeom prst="rect">
+            <a:avLst/>
+          </a:prstGeom>
+        </p:spPr>
+      </p:pic>
+    </p:spTree>
+    <p:extLst>
+      <p:ext uri="{BB962C8B-B14F-4D97-AF65-F5344CB8AC3E}">
+        <p14:creationId xmlns:p14="http://schemas.microsoft.com/office/powerpoint/2010/main" val="2017235735"/>
+      </p:ext>
+    </p:extLst>
+  </p:cSld>
+  <p:clrMapOvr>
+    <a:masterClrMapping/>
+  </p:clrMapOvr>
+</p:sld>
+</file>
+
+<file path=ppt/slides/slide6.xml><?xml version="1.0" encoding="utf-8"?>
+<p:sld xmlns:a="http://schemas.openxmlformats.org/drawingml/2006/main" xmlns:r="http://schemas.openxmlformats.org/officeDocument/2006/relationships" xmlns:p="http://schemas.openxmlformats.org/presentationml/2006/main">
+  <p:cSld>
+    <p:spTree>
+      <p:nvGrpSpPr>
+        <p:cNvPr id="1" name=""/>
+        <p:cNvGrpSpPr/>
+        <p:nvPr/>
+      </p:nvGrpSpPr>
+      <p:grpSpPr>
+        <a:xfrm>
+          <a:off x="0" y="0"/>
+          <a:ext cx="0" cy="0"/>
+          <a:chOff x="0" y="0"/>
+          <a:chExt cx="0" cy="0"/>
+        </a:xfrm>
+      </p:grpSpPr>
+    </p:spTree>
+    <p:extLst>
+      <p:ext uri="{BB962C8B-B14F-4D97-AF65-F5344CB8AC3E}">
+        <p14:creationId xmlns:p14="http://schemas.microsoft.com/office/powerpoint/2010/main" val="3923279252"/>
+      </p:ext>
+    </p:extLst>
+  </p:cSld>
+  <p:clrMapOvr>
+    <a:masterClrMapping/>
+  </p:clrMapOvr>
+</p:sld>
+</file>
+
 <file path=ppt/theme/theme1.xml><?xml version="1.0" encoding="utf-8"?>
 <a:theme xmlns:a="http://schemas.openxmlformats.org/drawingml/2006/main" name="Office 테마">
   <a:themeElements>
